--- a/layouts/iris_layout.pptx
+++ b/layouts/iris_layout.pptx
@@ -6,6 +6,8 @@
   </p:sldMasterIdLst>
   <p:sldIdLst>
     <p:sldId id="256" r:id="rId2"/>
+    <p:sldId id="257" r:id="rId3"/>
+    <p:sldId id="258" r:id="rId4"/>
   </p:sldIdLst>
   <p:sldSz cx="12192000" cy="6858000"/>
   <p:notesSz cx="6858000" cy="9144000"/>
@@ -104,6 +106,11 @@
       </a:defRPr>
     </a:lvl9pPr>
   </p:defaultTextStyle>
+  <p:extLst>
+    <p:ext uri="{EFAFB233-063F-42B5-8137-9DF3F51BA10A}">
+      <p15:sldGuideLst xmlns:p15="http://schemas.microsoft.com/office/powerpoint/2012/main"/>
+    </p:ext>
+  </p:extLst>
 </p:presentation>
 </file>
 
@@ -256,7 +263,7 @@
           <a:p>
             <a:fld id="{67065415-8F39-49F4-933B-FE1B09319F89}" type="datetimeFigureOut">
               <a:rPr lang="en-IL" smtClean="0"/>
-              <a:t>06/10/2022</a:t>
+              <a:t>10/10/2022</a:t>
             </a:fld>
             <a:endParaRPr lang="en-IL"/>
           </a:p>
@@ -456,7 +463,7 @@
           <a:p>
             <a:fld id="{67065415-8F39-49F4-933B-FE1B09319F89}" type="datetimeFigureOut">
               <a:rPr lang="en-IL" smtClean="0"/>
-              <a:t>06/10/2022</a:t>
+              <a:t>10/10/2022</a:t>
             </a:fld>
             <a:endParaRPr lang="en-IL"/>
           </a:p>
@@ -666,7 +673,7 @@
           <a:p>
             <a:fld id="{67065415-8F39-49F4-933B-FE1B09319F89}" type="datetimeFigureOut">
               <a:rPr lang="en-IL" smtClean="0"/>
-              <a:t>06/10/2022</a:t>
+              <a:t>10/10/2022</a:t>
             </a:fld>
             <a:endParaRPr lang="en-IL"/>
           </a:p>
@@ -866,7 +873,7 @@
           <a:p>
             <a:fld id="{67065415-8F39-49F4-933B-FE1B09319F89}" type="datetimeFigureOut">
               <a:rPr lang="en-IL" smtClean="0"/>
-              <a:t>06/10/2022</a:t>
+              <a:t>10/10/2022</a:t>
             </a:fld>
             <a:endParaRPr lang="en-IL"/>
           </a:p>
@@ -1142,7 +1149,7 @@
           <a:p>
             <a:fld id="{67065415-8F39-49F4-933B-FE1B09319F89}" type="datetimeFigureOut">
               <a:rPr lang="en-IL" smtClean="0"/>
-              <a:t>06/10/2022</a:t>
+              <a:t>10/10/2022</a:t>
             </a:fld>
             <a:endParaRPr lang="en-IL"/>
           </a:p>
@@ -1410,7 +1417,7 @@
           <a:p>
             <a:fld id="{67065415-8F39-49F4-933B-FE1B09319F89}" type="datetimeFigureOut">
               <a:rPr lang="en-IL" smtClean="0"/>
-              <a:t>06/10/2022</a:t>
+              <a:t>10/10/2022</a:t>
             </a:fld>
             <a:endParaRPr lang="en-IL"/>
           </a:p>
@@ -1825,7 +1832,7 @@
           <a:p>
             <a:fld id="{67065415-8F39-49F4-933B-FE1B09319F89}" type="datetimeFigureOut">
               <a:rPr lang="en-IL" smtClean="0"/>
-              <a:t>06/10/2022</a:t>
+              <a:t>10/10/2022</a:t>
             </a:fld>
             <a:endParaRPr lang="en-IL"/>
           </a:p>
@@ -1967,7 +1974,7 @@
           <a:p>
             <a:fld id="{67065415-8F39-49F4-933B-FE1B09319F89}" type="datetimeFigureOut">
               <a:rPr lang="en-IL" smtClean="0"/>
-              <a:t>06/10/2022</a:t>
+              <a:t>10/10/2022</a:t>
             </a:fld>
             <a:endParaRPr lang="en-IL"/>
           </a:p>
@@ -2080,7 +2087,7 @@
           <a:p>
             <a:fld id="{67065415-8F39-49F4-933B-FE1B09319F89}" type="datetimeFigureOut">
               <a:rPr lang="en-IL" smtClean="0"/>
-              <a:t>06/10/2022</a:t>
+              <a:t>10/10/2022</a:t>
             </a:fld>
             <a:endParaRPr lang="en-IL"/>
           </a:p>
@@ -2393,7 +2400,7 @@
           <a:p>
             <a:fld id="{67065415-8F39-49F4-933B-FE1B09319F89}" type="datetimeFigureOut">
               <a:rPr lang="en-IL" smtClean="0"/>
-              <a:t>06/10/2022</a:t>
+              <a:t>10/10/2022</a:t>
             </a:fld>
             <a:endParaRPr lang="en-IL"/>
           </a:p>
@@ -2682,7 +2689,7 @@
           <a:p>
             <a:fld id="{67065415-8F39-49F4-933B-FE1B09319F89}" type="datetimeFigureOut">
               <a:rPr lang="en-IL" smtClean="0"/>
-              <a:t>06/10/2022</a:t>
+              <a:t>10/10/2022</a:t>
             </a:fld>
             <a:endParaRPr lang="en-IL"/>
           </a:p>
@@ -2925,7 +2932,7 @@
           <a:p>
             <a:fld id="{67065415-8F39-49F4-933B-FE1B09319F89}" type="datetimeFigureOut">
               <a:rPr lang="en-IL" smtClean="0"/>
-              <a:t>06/10/2022</a:t>
+              <a:t>10/10/2022</a:t>
             </a:fld>
             <a:endParaRPr lang="en-IL"/>
           </a:p>
@@ -3745,6 +3752,964 @@
 </p:sld>
 </file>
 
+<file path=ppt/slides/slide2.xml><?xml version="1.0" encoding="utf-8"?>
+<p:sld xmlns:a="http://schemas.openxmlformats.org/drawingml/2006/main" xmlns:r="http://schemas.openxmlformats.org/officeDocument/2006/relationships" xmlns:p="http://schemas.openxmlformats.org/presentationml/2006/main">
+  <p:cSld>
+    <p:spTree>
+      <p:nvGrpSpPr>
+        <p:cNvPr id="1" name=""/>
+        <p:cNvGrpSpPr/>
+        <p:nvPr/>
+      </p:nvGrpSpPr>
+      <p:grpSpPr>
+        <a:xfrm>
+          <a:off x="0" y="0"/>
+          <a:ext cx="0" cy="0"/>
+          <a:chOff x="0" y="0"/>
+          <a:chExt cx="0" cy="0"/>
+        </a:xfrm>
+      </p:grpSpPr>
+      <p:sp>
+        <p:nvSpPr>
+          <p:cNvPr id="4" name="Rectangle 3">
+            <a:extLst>
+              <a:ext uri="{FF2B5EF4-FFF2-40B4-BE49-F238E27FC236}">
+                <a16:creationId xmlns:a16="http://schemas.microsoft.com/office/drawing/2014/main" id="{39CAD78F-602D-85B5-E5B4-B62531C6FC6A}"/>
+              </a:ext>
+            </a:extLst>
+          </p:cNvPr>
+          <p:cNvSpPr/>
+          <p:nvPr/>
+        </p:nvSpPr>
+        <p:spPr>
+          <a:xfrm>
+            <a:off x="0" y="3018"/>
+            <a:ext cx="1724685" cy="588475"/>
+          </a:xfrm>
+          <a:prstGeom prst="rect">
+            <a:avLst/>
+          </a:prstGeom>
+        </p:spPr>
+        <p:style>
+          <a:lnRef idx="2">
+            <a:schemeClr val="accent1">
+              <a:shade val="50000"/>
+            </a:schemeClr>
+          </a:lnRef>
+          <a:fillRef idx="1">
+            <a:schemeClr val="accent1"/>
+          </a:fillRef>
+          <a:effectRef idx="0">
+            <a:schemeClr val="accent1"/>
+          </a:effectRef>
+          <a:fontRef idx="minor">
+            <a:schemeClr val="lt1"/>
+          </a:fontRef>
+        </p:style>
+        <p:txBody>
+          <a:bodyPr rtlCol="0" anchor="ctr"/>
+          <a:lstStyle/>
+          <a:p>
+            <a:pPr algn="ctr"/>
+            <a:r>
+              <a:rPr lang="en-US" dirty="0"/>
+              <a:t>P1: Sepal/petal</a:t>
+            </a:r>
+            <a:endParaRPr lang="en-IL" dirty="0"/>
+          </a:p>
+        </p:txBody>
+      </p:sp>
+      <p:sp>
+        <p:nvSpPr>
+          <p:cNvPr id="5" name="Rectangle 4">
+            <a:extLst>
+              <a:ext uri="{FF2B5EF4-FFF2-40B4-BE49-F238E27FC236}">
+                <a16:creationId xmlns:a16="http://schemas.microsoft.com/office/drawing/2014/main" id="{10A8D98B-96BD-C543-C3A7-E853B7EAFEEB}"/>
+              </a:ext>
+            </a:extLst>
+          </p:cNvPr>
+          <p:cNvSpPr/>
+          <p:nvPr/>
+        </p:nvSpPr>
+        <p:spPr>
+          <a:xfrm>
+            <a:off x="0" y="6269525"/>
+            <a:ext cx="1842381" cy="588475"/>
+          </a:xfrm>
+          <a:prstGeom prst="rect">
+            <a:avLst/>
+          </a:prstGeom>
+        </p:spPr>
+        <p:style>
+          <a:lnRef idx="2">
+            <a:schemeClr val="accent1">
+              <a:shade val="50000"/>
+            </a:schemeClr>
+          </a:lnRef>
+          <a:fillRef idx="1">
+            <a:schemeClr val="accent1"/>
+          </a:fillRef>
+          <a:effectRef idx="0">
+            <a:schemeClr val="accent1"/>
+          </a:effectRef>
+          <a:fontRef idx="minor">
+            <a:schemeClr val="lt1"/>
+          </a:fontRef>
+        </p:style>
+        <p:txBody>
+          <a:bodyPr rtlCol="0" anchor="ctr"/>
+          <a:lstStyle/>
+          <a:p>
+            <a:pPr algn="ctr"/>
+            <a:r>
+              <a:rPr lang="en-US" dirty="0"/>
+              <a:t>P1: width/length</a:t>
+            </a:r>
+            <a:endParaRPr lang="en-IL" dirty="0"/>
+          </a:p>
+        </p:txBody>
+      </p:sp>
+      <p:sp>
+        <p:nvSpPr>
+          <p:cNvPr id="6" name="Rectangle 5">
+            <a:extLst>
+              <a:ext uri="{FF2B5EF4-FFF2-40B4-BE49-F238E27FC236}">
+                <a16:creationId xmlns:a16="http://schemas.microsoft.com/office/drawing/2014/main" id="{BBA686BE-3DF1-1ED2-2A7E-DE1A3071A141}"/>
+              </a:ext>
+            </a:extLst>
+          </p:cNvPr>
+          <p:cNvSpPr/>
+          <p:nvPr/>
+        </p:nvSpPr>
+        <p:spPr>
+          <a:xfrm>
+            <a:off x="10408468" y="0"/>
+            <a:ext cx="1724685" cy="588475"/>
+          </a:xfrm>
+          <a:prstGeom prst="rect">
+            <a:avLst/>
+          </a:prstGeom>
+          <a:solidFill>
+            <a:schemeClr val="accent2"/>
+          </a:solidFill>
+        </p:spPr>
+        <p:style>
+          <a:lnRef idx="2">
+            <a:schemeClr val="accent1">
+              <a:shade val="50000"/>
+            </a:schemeClr>
+          </a:lnRef>
+          <a:fillRef idx="1">
+            <a:schemeClr val="accent1"/>
+          </a:fillRef>
+          <a:effectRef idx="0">
+            <a:schemeClr val="accent1"/>
+          </a:effectRef>
+          <a:fontRef idx="minor">
+            <a:schemeClr val="lt1"/>
+          </a:fontRef>
+        </p:style>
+        <p:txBody>
+          <a:bodyPr rtlCol="0" anchor="ctr"/>
+          <a:lstStyle/>
+          <a:p>
+            <a:pPr algn="ctr"/>
+            <a:r>
+              <a:rPr lang="en-US" dirty="0"/>
+              <a:t>P2: Sepal/petal</a:t>
+            </a:r>
+            <a:endParaRPr lang="en-IL" dirty="0"/>
+          </a:p>
+        </p:txBody>
+      </p:sp>
+      <p:sp>
+        <p:nvSpPr>
+          <p:cNvPr id="7" name="Rectangle 6">
+            <a:extLst>
+              <a:ext uri="{FF2B5EF4-FFF2-40B4-BE49-F238E27FC236}">
+                <a16:creationId xmlns:a16="http://schemas.microsoft.com/office/drawing/2014/main" id="{6C8AEC4D-2195-1374-4957-C1681AD8FB76}"/>
+              </a:ext>
+            </a:extLst>
+          </p:cNvPr>
+          <p:cNvSpPr/>
+          <p:nvPr/>
+        </p:nvSpPr>
+        <p:spPr>
+          <a:xfrm>
+            <a:off x="10349619" y="6269524"/>
+            <a:ext cx="1842381" cy="588475"/>
+          </a:xfrm>
+          <a:prstGeom prst="rect">
+            <a:avLst/>
+          </a:prstGeom>
+          <a:solidFill>
+            <a:schemeClr val="accent2"/>
+          </a:solidFill>
+        </p:spPr>
+        <p:style>
+          <a:lnRef idx="2">
+            <a:schemeClr val="accent1">
+              <a:shade val="50000"/>
+            </a:schemeClr>
+          </a:lnRef>
+          <a:fillRef idx="1">
+            <a:schemeClr val="accent1"/>
+          </a:fillRef>
+          <a:effectRef idx="0">
+            <a:schemeClr val="accent1"/>
+          </a:effectRef>
+          <a:fontRef idx="minor">
+            <a:schemeClr val="lt1"/>
+          </a:fontRef>
+        </p:style>
+        <p:txBody>
+          <a:bodyPr rtlCol="0" anchor="ctr"/>
+          <a:lstStyle/>
+          <a:p>
+            <a:pPr algn="ctr"/>
+            <a:r>
+              <a:rPr lang="en-US" dirty="0"/>
+              <a:t>P2: width/length</a:t>
+            </a:r>
+            <a:endParaRPr lang="en-IL" dirty="0"/>
+          </a:p>
+        </p:txBody>
+      </p:sp>
+      <p:sp>
+        <p:nvSpPr>
+          <p:cNvPr id="10" name="Rectangle 9">
+            <a:extLst>
+              <a:ext uri="{FF2B5EF4-FFF2-40B4-BE49-F238E27FC236}">
+                <a16:creationId xmlns:a16="http://schemas.microsoft.com/office/drawing/2014/main" id="{D342F234-B94F-662F-1982-800C773D7935}"/>
+              </a:ext>
+            </a:extLst>
+          </p:cNvPr>
+          <p:cNvSpPr/>
+          <p:nvPr/>
+        </p:nvSpPr>
+        <p:spPr>
+          <a:xfrm>
+            <a:off x="116939" y="1871050"/>
+            <a:ext cx="3333186" cy="3115900"/>
+          </a:xfrm>
+          <a:prstGeom prst="rect">
+            <a:avLst/>
+          </a:prstGeom>
+        </p:spPr>
+        <p:style>
+          <a:lnRef idx="2">
+            <a:schemeClr val="accent1">
+              <a:shade val="50000"/>
+            </a:schemeClr>
+          </a:lnRef>
+          <a:fillRef idx="1">
+            <a:schemeClr val="accent1"/>
+          </a:fillRef>
+          <a:effectRef idx="0">
+            <a:schemeClr val="accent1"/>
+          </a:effectRef>
+          <a:fontRef idx="minor">
+            <a:schemeClr val="lt1"/>
+          </a:fontRef>
+        </p:style>
+        <p:txBody>
+          <a:bodyPr rtlCol="0" anchor="ctr"/>
+          <a:lstStyle/>
+          <a:p>
+            <a:pPr algn="ctr"/>
+            <a:r>
+              <a:rPr lang="en-US" dirty="0"/>
+              <a:t>P1 box plot</a:t>
+            </a:r>
+            <a:endParaRPr lang="en-IL" dirty="0"/>
+          </a:p>
+        </p:txBody>
+      </p:sp>
+      <p:sp>
+        <p:nvSpPr>
+          <p:cNvPr id="11" name="Rectangle 10">
+            <a:extLst>
+              <a:ext uri="{FF2B5EF4-FFF2-40B4-BE49-F238E27FC236}">
+                <a16:creationId xmlns:a16="http://schemas.microsoft.com/office/drawing/2014/main" id="{D66F0D11-A624-2D3A-15DA-10D9EE357984}"/>
+              </a:ext>
+            </a:extLst>
+          </p:cNvPr>
+          <p:cNvSpPr/>
+          <p:nvPr/>
+        </p:nvSpPr>
+        <p:spPr>
+          <a:xfrm>
+            <a:off x="8799967" y="1871050"/>
+            <a:ext cx="3333186" cy="3115900"/>
+          </a:xfrm>
+          <a:prstGeom prst="rect">
+            <a:avLst/>
+          </a:prstGeom>
+          <a:solidFill>
+            <a:schemeClr val="accent2"/>
+          </a:solidFill>
+        </p:spPr>
+        <p:style>
+          <a:lnRef idx="2">
+            <a:schemeClr val="accent1">
+              <a:shade val="50000"/>
+            </a:schemeClr>
+          </a:lnRef>
+          <a:fillRef idx="1">
+            <a:schemeClr val="accent1"/>
+          </a:fillRef>
+          <a:effectRef idx="0">
+            <a:schemeClr val="accent1"/>
+          </a:effectRef>
+          <a:fontRef idx="minor">
+            <a:schemeClr val="lt1"/>
+          </a:fontRef>
+        </p:style>
+        <p:txBody>
+          <a:bodyPr rtlCol="0" anchor="ctr"/>
+          <a:lstStyle/>
+          <a:p>
+            <a:pPr algn="ctr"/>
+            <a:r>
+              <a:rPr lang="en-US" dirty="0"/>
+              <a:t>P2 box plot</a:t>
+            </a:r>
+            <a:endParaRPr lang="en-IL" dirty="0"/>
+          </a:p>
+        </p:txBody>
+      </p:sp>
+      <p:sp>
+        <p:nvSpPr>
+          <p:cNvPr id="12" name="Rectangle 11">
+            <a:extLst>
+              <a:ext uri="{FF2B5EF4-FFF2-40B4-BE49-F238E27FC236}">
+                <a16:creationId xmlns:a16="http://schemas.microsoft.com/office/drawing/2014/main" id="{BA3D27B6-7A57-8E3D-22F4-64D8A9D00494}"/>
+              </a:ext>
+            </a:extLst>
+          </p:cNvPr>
+          <p:cNvSpPr/>
+          <p:nvPr/>
+        </p:nvSpPr>
+        <p:spPr>
+          <a:xfrm>
+            <a:off x="4429407" y="1877840"/>
+            <a:ext cx="3333186" cy="3115900"/>
+          </a:xfrm>
+          <a:prstGeom prst="rect">
+            <a:avLst/>
+          </a:prstGeom>
+          <a:solidFill>
+            <a:schemeClr val="accent2"/>
+          </a:solidFill>
+        </p:spPr>
+        <p:style>
+          <a:lnRef idx="2">
+            <a:schemeClr val="accent1">
+              <a:shade val="50000"/>
+            </a:schemeClr>
+          </a:lnRef>
+          <a:fillRef idx="1">
+            <a:schemeClr val="accent1"/>
+          </a:fillRef>
+          <a:effectRef idx="0">
+            <a:schemeClr val="accent1"/>
+          </a:effectRef>
+          <a:fontRef idx="minor">
+            <a:schemeClr val="lt1"/>
+          </a:fontRef>
+        </p:style>
+        <p:txBody>
+          <a:bodyPr rtlCol="0" anchor="ctr"/>
+          <a:lstStyle/>
+          <a:p>
+            <a:pPr algn="ctr"/>
+            <a:endParaRPr lang="en-IL" dirty="0"/>
+          </a:p>
+        </p:txBody>
+      </p:sp>
+      <p:sp>
+        <p:nvSpPr>
+          <p:cNvPr id="14" name="Right Triangle 13">
+            <a:extLst>
+              <a:ext uri="{FF2B5EF4-FFF2-40B4-BE49-F238E27FC236}">
+                <a16:creationId xmlns:a16="http://schemas.microsoft.com/office/drawing/2014/main" id="{EBFC9C7E-1D85-4FC1-9182-96D79B726E95}"/>
+              </a:ext>
+            </a:extLst>
+          </p:cNvPr>
+          <p:cNvSpPr/>
+          <p:nvPr/>
+        </p:nvSpPr>
+        <p:spPr>
+          <a:xfrm rot="5400000">
+            <a:off x="4538050" y="1762407"/>
+            <a:ext cx="3115900" cy="3333186"/>
+          </a:xfrm>
+          <a:prstGeom prst="rtTriangle">
+            <a:avLst/>
+          </a:prstGeom>
+        </p:spPr>
+        <p:style>
+          <a:lnRef idx="2">
+            <a:schemeClr val="accent1">
+              <a:shade val="50000"/>
+            </a:schemeClr>
+          </a:lnRef>
+          <a:fillRef idx="1">
+            <a:schemeClr val="accent1"/>
+          </a:fillRef>
+          <a:effectRef idx="0">
+            <a:schemeClr val="accent1"/>
+          </a:effectRef>
+          <a:fontRef idx="minor">
+            <a:schemeClr val="lt1"/>
+          </a:fontRef>
+        </p:style>
+        <p:txBody>
+          <a:bodyPr rtlCol="0" anchor="ctr"/>
+          <a:lstStyle/>
+          <a:p>
+            <a:pPr algn="ctr"/>
+            <a:endParaRPr lang="en-IL"/>
+          </a:p>
+        </p:txBody>
+      </p:sp>
+      <p:sp>
+        <p:nvSpPr>
+          <p:cNvPr id="15" name="TextBox 14">
+            <a:extLst>
+              <a:ext uri="{FF2B5EF4-FFF2-40B4-BE49-F238E27FC236}">
+                <a16:creationId xmlns:a16="http://schemas.microsoft.com/office/drawing/2014/main" id="{1980F501-FACF-82C2-C210-9B91FF5FD4F0}"/>
+              </a:ext>
+            </a:extLst>
+          </p:cNvPr>
+          <p:cNvSpPr txBox="1"/>
+          <p:nvPr/>
+        </p:nvSpPr>
+        <p:spPr>
+          <a:xfrm>
+            <a:off x="4851148" y="3251124"/>
+            <a:ext cx="2489703" cy="369332"/>
+          </a:xfrm>
+          <a:prstGeom prst="rect">
+            <a:avLst/>
+          </a:prstGeom>
+          <a:noFill/>
+        </p:spPr>
+        <p:txBody>
+          <a:bodyPr wrap="square" rtlCol="0">
+            <a:spAutoFit/>
+          </a:bodyPr>
+          <a:lstStyle/>
+          <a:p>
+            <a:pPr algn="ctr"/>
+            <a:r>
+              <a:rPr lang="en-US" dirty="0">
+                <a:solidFill>
+                  <a:schemeClr val="bg1"/>
+                </a:solidFill>
+              </a:rPr>
+              <a:t>P1 vs p2 scatter plot</a:t>
+            </a:r>
+            <a:endParaRPr lang="en-IL" dirty="0">
+              <a:solidFill>
+                <a:schemeClr val="bg1"/>
+              </a:solidFill>
+            </a:endParaRPr>
+          </a:p>
+        </p:txBody>
+      </p:sp>
+    </p:spTree>
+    <p:extLst>
+      <p:ext uri="{BB962C8B-B14F-4D97-AF65-F5344CB8AC3E}">
+        <p14:creationId xmlns:p14="http://schemas.microsoft.com/office/powerpoint/2010/main" val="975101917"/>
+      </p:ext>
+    </p:extLst>
+  </p:cSld>
+  <p:clrMapOvr>
+    <a:masterClrMapping/>
+  </p:clrMapOvr>
+</p:sld>
+</file>
+
+<file path=ppt/slides/slide3.xml><?xml version="1.0" encoding="utf-8"?>
+<p:sld xmlns:a="http://schemas.openxmlformats.org/drawingml/2006/main" xmlns:r="http://schemas.openxmlformats.org/officeDocument/2006/relationships" xmlns:p="http://schemas.openxmlformats.org/presentationml/2006/main">
+  <p:cSld>
+    <p:spTree>
+      <p:nvGrpSpPr>
+        <p:cNvPr id="1" name=""/>
+        <p:cNvGrpSpPr/>
+        <p:nvPr/>
+      </p:nvGrpSpPr>
+      <p:grpSpPr>
+        <a:xfrm>
+          <a:off x="0" y="0"/>
+          <a:ext cx="0" cy="0"/>
+          <a:chOff x="0" y="0"/>
+          <a:chExt cx="0" cy="0"/>
+        </a:xfrm>
+      </p:grpSpPr>
+      <p:sp>
+        <p:nvSpPr>
+          <p:cNvPr id="4" name="Rectangle 3">
+            <a:extLst>
+              <a:ext uri="{FF2B5EF4-FFF2-40B4-BE49-F238E27FC236}">
+                <a16:creationId xmlns:a16="http://schemas.microsoft.com/office/drawing/2014/main" id="{39CAD78F-602D-85B5-E5B4-B62531C6FC6A}"/>
+              </a:ext>
+            </a:extLst>
+          </p:cNvPr>
+          <p:cNvSpPr/>
+          <p:nvPr/>
+        </p:nvSpPr>
+        <p:spPr>
+          <a:xfrm>
+            <a:off x="5152176" y="0"/>
+            <a:ext cx="1724685" cy="588475"/>
+          </a:xfrm>
+          <a:prstGeom prst="rect">
+            <a:avLst/>
+          </a:prstGeom>
+        </p:spPr>
+        <p:style>
+          <a:lnRef idx="2">
+            <a:schemeClr val="accent1">
+              <a:shade val="50000"/>
+            </a:schemeClr>
+          </a:lnRef>
+          <a:fillRef idx="1">
+            <a:schemeClr val="accent1"/>
+          </a:fillRef>
+          <a:effectRef idx="0">
+            <a:schemeClr val="accent1"/>
+          </a:effectRef>
+          <a:fontRef idx="minor">
+            <a:schemeClr val="lt1"/>
+          </a:fontRef>
+        </p:style>
+        <p:txBody>
+          <a:bodyPr rtlCol="0" anchor="ctr"/>
+          <a:lstStyle/>
+          <a:p>
+            <a:pPr algn="ctr"/>
+            <a:r>
+              <a:rPr lang="en-US" dirty="0"/>
+              <a:t>P1: Sepal/petal</a:t>
+            </a:r>
+            <a:endParaRPr lang="en-IL" dirty="0"/>
+          </a:p>
+        </p:txBody>
+      </p:sp>
+      <p:sp>
+        <p:nvSpPr>
+          <p:cNvPr id="5" name="Rectangle 4">
+            <a:extLst>
+              <a:ext uri="{FF2B5EF4-FFF2-40B4-BE49-F238E27FC236}">
+                <a16:creationId xmlns:a16="http://schemas.microsoft.com/office/drawing/2014/main" id="{10A8D98B-96BD-C543-C3A7-E853B7EAFEEB}"/>
+              </a:ext>
+            </a:extLst>
+          </p:cNvPr>
+          <p:cNvSpPr/>
+          <p:nvPr/>
+        </p:nvSpPr>
+        <p:spPr>
+          <a:xfrm>
+            <a:off x="10349619" y="-2"/>
+            <a:ext cx="1842381" cy="588475"/>
+          </a:xfrm>
+          <a:prstGeom prst="rect">
+            <a:avLst/>
+          </a:prstGeom>
+        </p:spPr>
+        <p:style>
+          <a:lnRef idx="2">
+            <a:schemeClr val="accent1">
+              <a:shade val="50000"/>
+            </a:schemeClr>
+          </a:lnRef>
+          <a:fillRef idx="1">
+            <a:schemeClr val="accent1"/>
+          </a:fillRef>
+          <a:effectRef idx="0">
+            <a:schemeClr val="accent1"/>
+          </a:effectRef>
+          <a:fontRef idx="minor">
+            <a:schemeClr val="lt1"/>
+          </a:fontRef>
+        </p:style>
+        <p:txBody>
+          <a:bodyPr rtlCol="0" anchor="ctr"/>
+          <a:lstStyle/>
+          <a:p>
+            <a:pPr algn="ctr"/>
+            <a:r>
+              <a:rPr lang="en-US" dirty="0"/>
+              <a:t>P1: width/length</a:t>
+            </a:r>
+            <a:endParaRPr lang="en-IL" dirty="0"/>
+          </a:p>
+        </p:txBody>
+      </p:sp>
+      <p:sp>
+        <p:nvSpPr>
+          <p:cNvPr id="6" name="Rectangle 5">
+            <a:extLst>
+              <a:ext uri="{FF2B5EF4-FFF2-40B4-BE49-F238E27FC236}">
+                <a16:creationId xmlns:a16="http://schemas.microsoft.com/office/drawing/2014/main" id="{BBA686BE-3DF1-1ED2-2A7E-DE1A3071A141}"/>
+              </a:ext>
+            </a:extLst>
+          </p:cNvPr>
+          <p:cNvSpPr/>
+          <p:nvPr/>
+        </p:nvSpPr>
+        <p:spPr>
+          <a:xfrm>
+            <a:off x="0" y="6269525"/>
+            <a:ext cx="1724685" cy="588475"/>
+          </a:xfrm>
+          <a:prstGeom prst="rect">
+            <a:avLst/>
+          </a:prstGeom>
+          <a:solidFill>
+            <a:schemeClr val="accent2"/>
+          </a:solidFill>
+        </p:spPr>
+        <p:style>
+          <a:lnRef idx="2">
+            <a:schemeClr val="accent1">
+              <a:shade val="50000"/>
+            </a:schemeClr>
+          </a:lnRef>
+          <a:fillRef idx="1">
+            <a:schemeClr val="accent1"/>
+          </a:fillRef>
+          <a:effectRef idx="0">
+            <a:schemeClr val="accent1"/>
+          </a:effectRef>
+          <a:fontRef idx="minor">
+            <a:schemeClr val="lt1"/>
+          </a:fontRef>
+        </p:style>
+        <p:txBody>
+          <a:bodyPr rtlCol="0" anchor="ctr"/>
+          <a:lstStyle/>
+          <a:p>
+            <a:pPr algn="ctr"/>
+            <a:r>
+              <a:rPr lang="en-US" dirty="0"/>
+              <a:t>P2: Sepal/petal</a:t>
+            </a:r>
+            <a:endParaRPr lang="en-IL" dirty="0"/>
+          </a:p>
+        </p:txBody>
+      </p:sp>
+      <p:sp>
+        <p:nvSpPr>
+          <p:cNvPr id="7" name="Rectangle 6">
+            <a:extLst>
+              <a:ext uri="{FF2B5EF4-FFF2-40B4-BE49-F238E27FC236}">
+                <a16:creationId xmlns:a16="http://schemas.microsoft.com/office/drawing/2014/main" id="{6C8AEC4D-2195-1374-4957-C1681AD8FB76}"/>
+              </a:ext>
+            </a:extLst>
+          </p:cNvPr>
+          <p:cNvSpPr/>
+          <p:nvPr/>
+        </p:nvSpPr>
+        <p:spPr>
+          <a:xfrm>
+            <a:off x="5034480" y="6274224"/>
+            <a:ext cx="1842381" cy="588475"/>
+          </a:xfrm>
+          <a:prstGeom prst="rect">
+            <a:avLst/>
+          </a:prstGeom>
+          <a:solidFill>
+            <a:schemeClr val="accent2"/>
+          </a:solidFill>
+        </p:spPr>
+        <p:style>
+          <a:lnRef idx="2">
+            <a:schemeClr val="accent1">
+              <a:shade val="50000"/>
+            </a:schemeClr>
+          </a:lnRef>
+          <a:fillRef idx="1">
+            <a:schemeClr val="accent1"/>
+          </a:fillRef>
+          <a:effectRef idx="0">
+            <a:schemeClr val="accent1"/>
+          </a:effectRef>
+          <a:fontRef idx="minor">
+            <a:schemeClr val="lt1"/>
+          </a:fontRef>
+        </p:style>
+        <p:txBody>
+          <a:bodyPr rtlCol="0" anchor="ctr"/>
+          <a:lstStyle/>
+          <a:p>
+            <a:pPr algn="ctr"/>
+            <a:r>
+              <a:rPr lang="en-US" dirty="0"/>
+              <a:t>P2: width/length</a:t>
+            </a:r>
+            <a:endParaRPr lang="en-IL" dirty="0"/>
+          </a:p>
+        </p:txBody>
+      </p:sp>
+      <p:sp>
+        <p:nvSpPr>
+          <p:cNvPr id="10" name="Rectangle 9">
+            <a:extLst>
+              <a:ext uri="{FF2B5EF4-FFF2-40B4-BE49-F238E27FC236}">
+                <a16:creationId xmlns:a16="http://schemas.microsoft.com/office/drawing/2014/main" id="{D342F234-B94F-662F-1982-800C773D7935}"/>
+              </a:ext>
+            </a:extLst>
+          </p:cNvPr>
+          <p:cNvSpPr/>
+          <p:nvPr/>
+        </p:nvSpPr>
+        <p:spPr>
+          <a:xfrm>
+            <a:off x="-8300" y="0"/>
+            <a:ext cx="3333186" cy="3115900"/>
+          </a:xfrm>
+          <a:prstGeom prst="rect">
+            <a:avLst/>
+          </a:prstGeom>
+        </p:spPr>
+        <p:style>
+          <a:lnRef idx="2">
+            <a:schemeClr val="accent1">
+              <a:shade val="50000"/>
+            </a:schemeClr>
+          </a:lnRef>
+          <a:fillRef idx="1">
+            <a:schemeClr val="accent1"/>
+          </a:fillRef>
+          <a:effectRef idx="0">
+            <a:schemeClr val="accent1"/>
+          </a:effectRef>
+          <a:fontRef idx="minor">
+            <a:schemeClr val="lt1"/>
+          </a:fontRef>
+        </p:style>
+        <p:txBody>
+          <a:bodyPr rtlCol="0" anchor="ctr"/>
+          <a:lstStyle/>
+          <a:p>
+            <a:pPr algn="ctr"/>
+            <a:r>
+              <a:rPr lang="en-US" dirty="0"/>
+              <a:t>P1 box plot</a:t>
+            </a:r>
+            <a:endParaRPr lang="en-IL" dirty="0"/>
+          </a:p>
+        </p:txBody>
+      </p:sp>
+      <p:sp>
+        <p:nvSpPr>
+          <p:cNvPr id="11" name="Rectangle 10">
+            <a:extLst>
+              <a:ext uri="{FF2B5EF4-FFF2-40B4-BE49-F238E27FC236}">
+                <a16:creationId xmlns:a16="http://schemas.microsoft.com/office/drawing/2014/main" id="{D66F0D11-A624-2D3A-15DA-10D9EE357984}"/>
+              </a:ext>
+            </a:extLst>
+          </p:cNvPr>
+          <p:cNvSpPr/>
+          <p:nvPr/>
+        </p:nvSpPr>
+        <p:spPr>
+          <a:xfrm>
+            <a:off x="8858814" y="3742100"/>
+            <a:ext cx="3333186" cy="3115900"/>
+          </a:xfrm>
+          <a:prstGeom prst="rect">
+            <a:avLst/>
+          </a:prstGeom>
+          <a:solidFill>
+            <a:schemeClr val="accent2"/>
+          </a:solidFill>
+        </p:spPr>
+        <p:style>
+          <a:lnRef idx="2">
+            <a:schemeClr val="accent1">
+              <a:shade val="50000"/>
+            </a:schemeClr>
+          </a:lnRef>
+          <a:fillRef idx="1">
+            <a:schemeClr val="accent1"/>
+          </a:fillRef>
+          <a:effectRef idx="0">
+            <a:schemeClr val="accent1"/>
+          </a:effectRef>
+          <a:fontRef idx="minor">
+            <a:schemeClr val="lt1"/>
+          </a:fontRef>
+        </p:style>
+        <p:txBody>
+          <a:bodyPr rtlCol="0" anchor="ctr"/>
+          <a:lstStyle/>
+          <a:p>
+            <a:pPr algn="ctr"/>
+            <a:r>
+              <a:rPr lang="en-US" dirty="0"/>
+              <a:t>P2 box plot</a:t>
+            </a:r>
+            <a:endParaRPr lang="en-IL" dirty="0"/>
+          </a:p>
+        </p:txBody>
+      </p:sp>
+      <p:sp>
+        <p:nvSpPr>
+          <p:cNvPr id="12" name="Rectangle 11">
+            <a:extLst>
+              <a:ext uri="{FF2B5EF4-FFF2-40B4-BE49-F238E27FC236}">
+                <a16:creationId xmlns:a16="http://schemas.microsoft.com/office/drawing/2014/main" id="{BA3D27B6-7A57-8E3D-22F4-64D8A9D00494}"/>
+              </a:ext>
+            </a:extLst>
+          </p:cNvPr>
+          <p:cNvSpPr/>
+          <p:nvPr/>
+        </p:nvSpPr>
+        <p:spPr>
+          <a:xfrm>
+            <a:off x="4347926" y="1871050"/>
+            <a:ext cx="3333186" cy="3115900"/>
+          </a:xfrm>
+          <a:prstGeom prst="rect">
+            <a:avLst/>
+          </a:prstGeom>
+          <a:solidFill>
+            <a:schemeClr val="accent2"/>
+          </a:solidFill>
+        </p:spPr>
+        <p:style>
+          <a:lnRef idx="2">
+            <a:schemeClr val="accent1">
+              <a:shade val="50000"/>
+            </a:schemeClr>
+          </a:lnRef>
+          <a:fillRef idx="1">
+            <a:schemeClr val="accent1"/>
+          </a:fillRef>
+          <a:effectRef idx="0">
+            <a:schemeClr val="accent1"/>
+          </a:effectRef>
+          <a:fontRef idx="minor">
+            <a:schemeClr val="lt1"/>
+          </a:fontRef>
+        </p:style>
+        <p:txBody>
+          <a:bodyPr rtlCol="0" anchor="ctr"/>
+          <a:lstStyle/>
+          <a:p>
+            <a:pPr algn="ctr"/>
+            <a:endParaRPr lang="en-IL" dirty="0"/>
+          </a:p>
+        </p:txBody>
+      </p:sp>
+      <p:sp>
+        <p:nvSpPr>
+          <p:cNvPr id="2" name="Right Triangle 1">
+            <a:extLst>
+              <a:ext uri="{FF2B5EF4-FFF2-40B4-BE49-F238E27FC236}">
+                <a16:creationId xmlns:a16="http://schemas.microsoft.com/office/drawing/2014/main" id="{6DAF64CB-4119-5736-9CB8-4C27B99EE7E7}"/>
+              </a:ext>
+            </a:extLst>
+          </p:cNvPr>
+          <p:cNvSpPr/>
+          <p:nvPr/>
+        </p:nvSpPr>
+        <p:spPr>
+          <a:xfrm rot="5400000">
+            <a:off x="4456569" y="1762407"/>
+            <a:ext cx="3115900" cy="3333186"/>
+          </a:xfrm>
+          <a:prstGeom prst="rtTriangle">
+            <a:avLst/>
+          </a:prstGeom>
+        </p:spPr>
+        <p:style>
+          <a:lnRef idx="2">
+            <a:schemeClr val="accent1">
+              <a:shade val="50000"/>
+            </a:schemeClr>
+          </a:lnRef>
+          <a:fillRef idx="1">
+            <a:schemeClr val="accent1"/>
+          </a:fillRef>
+          <a:effectRef idx="0">
+            <a:schemeClr val="accent1"/>
+          </a:effectRef>
+          <a:fontRef idx="minor">
+            <a:schemeClr val="lt1"/>
+          </a:fontRef>
+        </p:style>
+        <p:txBody>
+          <a:bodyPr rtlCol="0" anchor="ctr"/>
+          <a:lstStyle/>
+          <a:p>
+            <a:pPr algn="ctr"/>
+            <a:endParaRPr lang="en-IL"/>
+          </a:p>
+        </p:txBody>
+      </p:sp>
+      <p:sp>
+        <p:nvSpPr>
+          <p:cNvPr id="3" name="TextBox 2">
+            <a:extLst>
+              <a:ext uri="{FF2B5EF4-FFF2-40B4-BE49-F238E27FC236}">
+                <a16:creationId xmlns:a16="http://schemas.microsoft.com/office/drawing/2014/main" id="{474A86DD-507E-DDBF-FAAE-49D2BDE9C518}"/>
+              </a:ext>
+            </a:extLst>
+          </p:cNvPr>
+          <p:cNvSpPr txBox="1"/>
+          <p:nvPr/>
+        </p:nvSpPr>
+        <p:spPr>
+          <a:xfrm>
+            <a:off x="4851148" y="3244332"/>
+            <a:ext cx="2489703" cy="369332"/>
+          </a:xfrm>
+          <a:prstGeom prst="rect">
+            <a:avLst/>
+          </a:prstGeom>
+          <a:noFill/>
+        </p:spPr>
+        <p:txBody>
+          <a:bodyPr wrap="square" rtlCol="0">
+            <a:spAutoFit/>
+          </a:bodyPr>
+          <a:lstStyle/>
+          <a:p>
+            <a:pPr algn="ctr"/>
+            <a:r>
+              <a:rPr lang="en-US" dirty="0">
+                <a:solidFill>
+                  <a:schemeClr val="bg1"/>
+                </a:solidFill>
+              </a:rPr>
+              <a:t>P1 vs p2 scatter plot</a:t>
+            </a:r>
+            <a:endParaRPr lang="en-IL" dirty="0">
+              <a:solidFill>
+                <a:schemeClr val="bg1"/>
+              </a:solidFill>
+            </a:endParaRPr>
+          </a:p>
+        </p:txBody>
+      </p:sp>
+    </p:spTree>
+    <p:extLst>
+      <p:ext uri="{BB962C8B-B14F-4D97-AF65-F5344CB8AC3E}">
+        <p14:creationId xmlns:p14="http://schemas.microsoft.com/office/powerpoint/2010/main" val="1524649200"/>
+      </p:ext>
+    </p:extLst>
+  </p:cSld>
+  <p:clrMapOvr>
+    <a:masterClrMapping/>
+  </p:clrMapOvr>
+</p:sld>
+</file>
+
 <file path=ppt/theme/theme1.xml><?xml version="1.0" encoding="utf-8"?>
 <a:theme xmlns:a="http://schemas.openxmlformats.org/drawingml/2006/main" name="Office Theme">
   <a:themeElements>

--- a/layouts/iris_layout.pptx
+++ b/layouts/iris_layout.pptx
@@ -263,7 +263,7 @@
           <a:p>
             <a:fld id="{67065415-8F39-49F4-933B-FE1B09319F89}" type="datetimeFigureOut">
               <a:rPr lang="en-IL" smtClean="0"/>
-              <a:t>10/10/2022</a:t>
+              <a:t>13/10/2022</a:t>
             </a:fld>
             <a:endParaRPr lang="en-IL"/>
           </a:p>
@@ -463,7 +463,7 @@
           <a:p>
             <a:fld id="{67065415-8F39-49F4-933B-FE1B09319F89}" type="datetimeFigureOut">
               <a:rPr lang="en-IL" smtClean="0"/>
-              <a:t>10/10/2022</a:t>
+              <a:t>13/10/2022</a:t>
             </a:fld>
             <a:endParaRPr lang="en-IL"/>
           </a:p>
@@ -673,7 +673,7 @@
           <a:p>
             <a:fld id="{67065415-8F39-49F4-933B-FE1B09319F89}" type="datetimeFigureOut">
               <a:rPr lang="en-IL" smtClean="0"/>
-              <a:t>10/10/2022</a:t>
+              <a:t>13/10/2022</a:t>
             </a:fld>
             <a:endParaRPr lang="en-IL"/>
           </a:p>
@@ -873,7 +873,7 @@
           <a:p>
             <a:fld id="{67065415-8F39-49F4-933B-FE1B09319F89}" type="datetimeFigureOut">
               <a:rPr lang="en-IL" smtClean="0"/>
-              <a:t>10/10/2022</a:t>
+              <a:t>13/10/2022</a:t>
             </a:fld>
             <a:endParaRPr lang="en-IL"/>
           </a:p>
@@ -1149,7 +1149,7 @@
           <a:p>
             <a:fld id="{67065415-8F39-49F4-933B-FE1B09319F89}" type="datetimeFigureOut">
               <a:rPr lang="en-IL" smtClean="0"/>
-              <a:t>10/10/2022</a:t>
+              <a:t>13/10/2022</a:t>
             </a:fld>
             <a:endParaRPr lang="en-IL"/>
           </a:p>
@@ -1417,7 +1417,7 @@
           <a:p>
             <a:fld id="{67065415-8F39-49F4-933B-FE1B09319F89}" type="datetimeFigureOut">
               <a:rPr lang="en-IL" smtClean="0"/>
-              <a:t>10/10/2022</a:t>
+              <a:t>13/10/2022</a:t>
             </a:fld>
             <a:endParaRPr lang="en-IL"/>
           </a:p>
@@ -1832,7 +1832,7 @@
           <a:p>
             <a:fld id="{67065415-8F39-49F4-933B-FE1B09319F89}" type="datetimeFigureOut">
               <a:rPr lang="en-IL" smtClean="0"/>
-              <a:t>10/10/2022</a:t>
+              <a:t>13/10/2022</a:t>
             </a:fld>
             <a:endParaRPr lang="en-IL"/>
           </a:p>
@@ -1974,7 +1974,7 @@
           <a:p>
             <a:fld id="{67065415-8F39-49F4-933B-FE1B09319F89}" type="datetimeFigureOut">
               <a:rPr lang="en-IL" smtClean="0"/>
-              <a:t>10/10/2022</a:t>
+              <a:t>13/10/2022</a:t>
             </a:fld>
             <a:endParaRPr lang="en-IL"/>
           </a:p>
@@ -2087,7 +2087,7 @@
           <a:p>
             <a:fld id="{67065415-8F39-49F4-933B-FE1B09319F89}" type="datetimeFigureOut">
               <a:rPr lang="en-IL" smtClean="0"/>
-              <a:t>10/10/2022</a:t>
+              <a:t>13/10/2022</a:t>
             </a:fld>
             <a:endParaRPr lang="en-IL"/>
           </a:p>
@@ -2400,7 +2400,7 @@
           <a:p>
             <a:fld id="{67065415-8F39-49F4-933B-FE1B09319F89}" type="datetimeFigureOut">
               <a:rPr lang="en-IL" smtClean="0"/>
-              <a:t>10/10/2022</a:t>
+              <a:t>13/10/2022</a:t>
             </a:fld>
             <a:endParaRPr lang="en-IL"/>
           </a:p>
@@ -2689,7 +2689,7 @@
           <a:p>
             <a:fld id="{67065415-8F39-49F4-933B-FE1B09319F89}" type="datetimeFigureOut">
               <a:rPr lang="en-IL" smtClean="0"/>
-              <a:t>10/10/2022</a:t>
+              <a:t>13/10/2022</a:t>
             </a:fld>
             <a:endParaRPr lang="en-IL"/>
           </a:p>
@@ -2932,7 +2932,7 @@
           <a:p>
             <a:fld id="{67065415-8F39-49F4-933B-FE1B09319F89}" type="datetimeFigureOut">
               <a:rPr lang="en-IL" smtClean="0"/>
-              <a:t>10/10/2022</a:t>
+              <a:t>13/10/2022</a:t>
             </a:fld>
             <a:endParaRPr lang="en-IL"/>
           </a:p>
